--- a/DominosPresentation.pptx
+++ b/DominosPresentation.pptx
@@ -203,7 +203,7 @@
           <a:p>
             <a:fld id="{4B3F774C-70F7-4ED4-813C-739E51CF8487}" type="datetimeFigureOut">
               <a:rPr lang="en-US" smtClean="0"/>
-              <a:t>4/19/2023</a:t>
+              <a:t>4/24/2023</a:t>
             </a:fld>
             <a:endParaRPr lang="en-US" dirty="0"/>
           </a:p>
@@ -625,7 +625,7 @@
           <a:p>
             <a:fld id="{F9F2E34D-57B0-41D5-A7AF-DF10D1068115}" type="datetime1">
               <a:rPr lang="en-US" smtClean="0"/>
-              <a:t>4/19/2023</a:t>
+              <a:t>4/24/2023</a:t>
             </a:fld>
             <a:endParaRPr lang="en-US" dirty="0"/>
           </a:p>
@@ -796,7 +796,7 @@
           <a:p>
             <a:fld id="{03F8C408-3247-4796-93FF-B91D6887AEC0}" type="datetime1">
               <a:rPr lang="en-US" smtClean="0"/>
-              <a:t>4/19/2023</a:t>
+              <a:t>4/24/2023</a:t>
             </a:fld>
             <a:endParaRPr lang="en-US" dirty="0"/>
           </a:p>
@@ -977,7 +977,7 @@
           <a:p>
             <a:fld id="{BBA1D282-CC74-49F4-B876-75084EFB56F1}" type="datetime1">
               <a:rPr lang="en-US" smtClean="0"/>
-              <a:t>4/19/2023</a:t>
+              <a:t>4/24/2023</a:t>
             </a:fld>
             <a:endParaRPr lang="en-US" dirty="0"/>
           </a:p>
@@ -1148,7 +1148,7 @@
           <a:p>
             <a:fld id="{BF56EAF9-2583-4989-8D87-13F548ED6E0C}" type="datetime1">
               <a:rPr lang="en-US" smtClean="0"/>
-              <a:t>4/19/2023</a:t>
+              <a:t>4/24/2023</a:t>
             </a:fld>
             <a:endParaRPr lang="en-US" dirty="0"/>
           </a:p>
@@ -1409,7 +1409,7 @@
           <a:p>
             <a:fld id="{B70E3CFB-BB1B-4B2A-ADF6-B1A4609854C4}" type="datetime1">
               <a:rPr lang="en-US" smtClean="0"/>
-              <a:t>4/19/2023</a:t>
+              <a:t>4/24/2023</a:t>
             </a:fld>
             <a:endParaRPr lang="en-US" dirty="0"/>
           </a:p>
@@ -1642,7 +1642,7 @@
           <a:p>
             <a:fld id="{2B3AEAA8-1A97-412E-935C-2E918F139579}" type="datetime1">
               <a:rPr lang="en-US" smtClean="0"/>
-              <a:t>4/19/2023</a:t>
+              <a:t>4/24/2023</a:t>
             </a:fld>
             <a:endParaRPr lang="en-US" dirty="0"/>
           </a:p>
@@ -1998,7 +1998,7 @@
           <a:p>
             <a:fld id="{638B0DF1-CA1F-4E36-8C65-C52A9896A8FB}" type="datetime1">
               <a:rPr lang="en-US" smtClean="0"/>
-              <a:t>4/19/2023</a:t>
+              <a:t>4/24/2023</a:t>
             </a:fld>
             <a:endParaRPr lang="en-US" dirty="0"/>
           </a:p>
@@ -2140,7 +2140,7 @@
           <a:p>
             <a:fld id="{DB6173FD-197A-4AD6-8D60-38B6A76F0734}" type="datetime1">
               <a:rPr lang="en-US" smtClean="0"/>
-              <a:t>4/19/2023</a:t>
+              <a:t>4/24/2023</a:t>
             </a:fld>
             <a:endParaRPr lang="en-US" dirty="0"/>
           </a:p>
@@ -2236,7 +2236,7 @@
           <a:p>
             <a:fld id="{6BDC3949-07FA-4C7A-A990-D6D1043EED71}" type="datetime1">
               <a:rPr lang="en-US" smtClean="0"/>
-              <a:t>4/19/2023</a:t>
+              <a:t>4/24/2023</a:t>
             </a:fld>
             <a:endParaRPr lang="en-US" dirty="0"/>
           </a:p>
@@ -2594,7 +2594,7 @@
           <a:p>
             <a:fld id="{2E9E2DE8-6D13-4218-A974-D45AA7B6E4FF}" type="datetime1">
               <a:rPr lang="en-US" smtClean="0"/>
-              <a:t>4/19/2023</a:t>
+              <a:t>4/24/2023</a:t>
             </a:fld>
             <a:endParaRPr lang="en-US" dirty="0"/>
           </a:p>
@@ -2913,7 +2913,7 @@
           <a:p>
             <a:fld id="{9CDAB7D7-4BDA-4ABC-B31D-66201C69A314}" type="datetime1">
               <a:rPr lang="en-US" smtClean="0"/>
-              <a:t>4/19/2023</a:t>
+              <a:t>4/24/2023</a:t>
             </a:fld>
             <a:endParaRPr lang="en-US" dirty="0"/>
           </a:p>
@@ -3153,7 +3153,7 @@
           <a:p>
             <a:fld id="{4E3F0A0B-291C-4112-A023-023C51AB2E85}" type="datetime1">
               <a:rPr lang="en-US" smtClean="0"/>
-              <a:t>4/19/2023</a:t>
+              <a:t>4/24/2023</a:t>
             </a:fld>
             <a:endParaRPr lang="en-US" dirty="0"/>
           </a:p>
@@ -5048,7 +5048,7 @@
         </p:nvSpPr>
         <p:spPr>
           <a:xfrm>
-            <a:off x="3561809" y="509451"/>
+            <a:off x="3400700" y="509451"/>
             <a:ext cx="1820092" cy="836023"/>
           </a:xfrm>
           <a:prstGeom prst="ellipse">
@@ -5103,7 +5103,7 @@
         </p:nvSpPr>
         <p:spPr>
           <a:xfrm>
-            <a:off x="6159560" y="391886"/>
+            <a:off x="5924429" y="409302"/>
             <a:ext cx="1654628" cy="844732"/>
           </a:xfrm>
           <a:prstGeom prst="ellipse">
@@ -5859,7 +5859,7 @@
       </p:grpSpPr>
       <p:pic>
         <p:nvPicPr>
-          <p:cNvPr id="4" name="Picture 3"/>
+          <p:cNvPr id="2" name="Picture 1"/>
           <p:cNvPicPr>
             <a:picLocks noChangeAspect="1"/>
           </p:cNvPicPr>
@@ -5873,8 +5873,8 @@
         </p:blipFill>
         <p:spPr>
           <a:xfrm>
-            <a:off x="992777" y="114045"/>
-            <a:ext cx="9878200" cy="6648160"/>
+            <a:off x="644434" y="98165"/>
+            <a:ext cx="10983550" cy="6641861"/>
           </a:xfrm>
           <a:prstGeom prst="rect">
             <a:avLst/>
@@ -6633,23 +6633,6 @@
 </file>
 
 <file path=customXml/item1.xml><?xml version="1.0" encoding="utf-8"?>
-<p:properties xmlns:p="http://schemas.microsoft.com/office/2006/metadata/properties" xmlns:xsi="http://www.w3.org/2001/XMLSchema-instance" xmlns:pc="http://schemas.microsoft.com/office/infopath/2007/PartnerControls">
-  <documentManagement>
-    <MediaServiceKeyPoints xmlns="71af3243-3dd4-4a8d-8c0d-dd76da1f02a5" xsi:nil="true"/>
-  </documentManagement>
-</p:properties>
-</file>
-
-<file path=customXml/item2.xml><?xml version="1.0" encoding="utf-8"?>
-<?mso-contentType ?>
-<FormTemplates xmlns="http://schemas.microsoft.com/sharepoint/v3/contenttype/forms">
-  <Display>DocumentLibraryForm</Display>
-  <Edit>DocumentLibraryForm</Edit>
-  <New>DocumentLibraryForm</New>
-</FormTemplates>
-</file>
-
-<file path=customXml/item3.xml><?xml version="1.0" encoding="utf-8"?>
 <ct:contentTypeSchema xmlns:ct="http://schemas.microsoft.com/office/2006/metadata/contentType" xmlns:ma="http://schemas.microsoft.com/office/2006/metadata/properties/metaAttributes" ct:_="" ma:_="" ma:contentTypeName="Document" ma:contentTypeID="0x01010079F111ED35F8CC479449609E8A0923A6" ma:contentTypeVersion="11" ma:contentTypeDescription="Create a new document." ma:contentTypeScope="" ma:versionID="9677210f24a1be23c92c90fd886aa0aa">
   <xsd:schema xmlns:xsd="http://www.w3.org/2001/XMLSchema" xmlns:xs="http://www.w3.org/2001/XMLSchema" xmlns:p="http://schemas.microsoft.com/office/2006/metadata/properties" xmlns:ns2="71af3243-3dd4-4a8d-8c0d-dd76da1f02a5" xmlns:ns3="16c05727-aa75-4e4a-9b5f-8a80a1165891" targetNamespace="http://schemas.microsoft.com/office/2006/metadata/properties" ma:root="true" ma:fieldsID="60e05723c5c1908df1a1a4ebf11d344e" ns2:_="" ns3:_="">
     <xsd:import namespace="71af3243-3dd4-4a8d-8c0d-dd76da1f02a5"/>
@@ -6860,32 +6843,24 @@
 </ct:contentTypeSchema>
 </file>
 
-<file path=customXml/itemProps1.xml><?xml version="1.0" encoding="utf-8"?>
-<ds:datastoreItem xmlns:ds="http://schemas.openxmlformats.org/officeDocument/2006/customXml" ds:itemID="{D7023227-530E-4024-91EF-312A851A758C}">
-  <ds:schemaRefs>
-    <ds:schemaRef ds:uri="http://purl.org/dc/terms/"/>
-    <ds:schemaRef ds:uri="http://schemas.openxmlformats.org/package/2006/metadata/core-properties"/>
-    <ds:schemaRef ds:uri="16c05727-aa75-4e4a-9b5f-8a80a1165891"/>
-    <ds:schemaRef ds:uri="http://purl.org/dc/dcmitype/"/>
-    <ds:schemaRef ds:uri="http://schemas.microsoft.com/office/infopath/2007/PartnerControls"/>
-    <ds:schemaRef ds:uri="http://purl.org/dc/elements/1.1/"/>
-    <ds:schemaRef ds:uri="http://schemas.microsoft.com/office/2006/documentManagement/types"/>
-    <ds:schemaRef ds:uri="71af3243-3dd4-4a8d-8c0d-dd76da1f02a5"/>
-    <ds:schemaRef ds:uri="http://schemas.microsoft.com/office/2006/metadata/properties"/>
-    <ds:schemaRef ds:uri="http://www.w3.org/XML/1998/namespace"/>
-  </ds:schemaRefs>
-</ds:datastoreItem>
+<file path=customXml/item2.xml><?xml version="1.0" encoding="utf-8"?>
+<?mso-contentType ?>
+<FormTemplates xmlns="http://schemas.microsoft.com/sharepoint/v3/contenttype/forms">
+  <Display>DocumentLibraryForm</Display>
+  <Edit>DocumentLibraryForm</Edit>
+  <New>DocumentLibraryForm</New>
+</FormTemplates>
 </file>
 
-<file path=customXml/itemProps2.xml><?xml version="1.0" encoding="utf-8"?>
-<ds:datastoreItem xmlns:ds="http://schemas.openxmlformats.org/officeDocument/2006/customXml" ds:itemID="{33315AA3-EAE3-44ED-8368-BAC2FFFB4817}">
-  <ds:schemaRefs>
-    <ds:schemaRef ds:uri="http://schemas.microsoft.com/sharepoint/v3/contenttype/forms"/>
-  </ds:schemaRefs>
-</ds:datastoreItem>
+<file path=customXml/item3.xml><?xml version="1.0" encoding="utf-8"?>
+<p:properties xmlns:p="http://schemas.microsoft.com/office/2006/metadata/properties" xmlns:xsi="http://www.w3.org/2001/XMLSchema-instance" xmlns:pc="http://schemas.microsoft.com/office/infopath/2007/PartnerControls">
+  <documentManagement>
+    <MediaServiceKeyPoints xmlns="71af3243-3dd4-4a8d-8c0d-dd76da1f02a5" xsi:nil="true"/>
+  </documentManagement>
+</p:properties>
 </file>
 
-<file path=customXml/itemProps3.xml><?xml version="1.0" encoding="utf-8"?>
+<file path=customXml/itemProps1.xml><?xml version="1.0" encoding="utf-8"?>
 <ds:datastoreItem xmlns:ds="http://schemas.openxmlformats.org/officeDocument/2006/customXml" ds:itemID="{627C19A7-3107-4CB2-BD0D-F7C79BE028CC}">
   <ds:schemaRefs>
     <ds:schemaRef ds:uri="http://schemas.microsoft.com/office/2006/metadata/contentType"/>
@@ -6902,4 +6877,29 @@
     <ds:schemaRef ds:uri="http://schemas.microsoft.com/internal/obd"/>
   </ds:schemaRefs>
 </ds:datastoreItem>
+</file>
+
+<file path=customXml/itemProps2.xml><?xml version="1.0" encoding="utf-8"?>
+<ds:datastoreItem xmlns:ds="http://schemas.openxmlformats.org/officeDocument/2006/customXml" ds:itemID="{33315AA3-EAE3-44ED-8368-BAC2FFFB4817}">
+  <ds:schemaRefs>
+    <ds:schemaRef ds:uri="http://schemas.microsoft.com/sharepoint/v3/contenttype/forms"/>
+  </ds:schemaRefs>
+</ds:datastoreItem>
+</file>
+
+<file path=customXml/itemProps3.xml><?xml version="1.0" encoding="utf-8"?>
+<ds:datastoreItem xmlns:ds="http://schemas.openxmlformats.org/officeDocument/2006/customXml" ds:itemID="{D7023227-530E-4024-91EF-312A851A758C}">
+  <ds:schemaRefs>
+    <ds:schemaRef ds:uri="http://schemas.openxmlformats.org/package/2006/metadata/core-properties"/>
+    <ds:schemaRef ds:uri="16c05727-aa75-4e4a-9b5f-8a80a1165891"/>
+    <ds:schemaRef ds:uri="http://purl.org/dc/dcmitype/"/>
+    <ds:schemaRef ds:uri="http://schemas.microsoft.com/office/infopath/2007/PartnerControls"/>
+    <ds:schemaRef ds:uri="http://purl.org/dc/elements/1.1/"/>
+    <ds:schemaRef ds:uri="http://schemas.microsoft.com/office/2006/metadata/properties"/>
+    <ds:schemaRef ds:uri="http://schemas.microsoft.com/office/2006/documentManagement/types"/>
+    <ds:schemaRef ds:uri="http://purl.org/dc/terms/"/>
+    <ds:schemaRef ds:uri="71af3243-3dd4-4a8d-8c0d-dd76da1f02a5"/>
+    <ds:schemaRef ds:uri="http://www.w3.org/XML/1998/namespace"/>
+  </ds:schemaRefs>
+</ds:datastoreItem>
 </file>